--- a/Figure-3-1/Figure31/Figure31_fullslide_169.pptx
+++ b/Figure-3-1/Figure31/Figure31_fullslide_169.pptx
@@ -781,6 +781,420 @@
             <a:r>
               <a:rPr/>
               <a:t>breaks</a:t>
+            </a:r>
+          </a:p>
+          <a:p>
+            <a:pPr lvl="0" marL="0" indent="0">
+              <a:buNone/>
+            </a:pPr>
+          </a:p>
+          <a:p>
+            <a:pPr lvl="0" marL="0" indent="0">
+              <a:buNone/>
+            </a:pPr>
+            <a:r>
+              <a:rPr/>
+              <a:t>Notes:</a:t>
+            </a:r>
+            <a:r>
+              <a:rPr/>
+              <a:t> </a:t>
+            </a:r>
+            <a:r>
+              <a:rPr/>
+              <a:t>Value</a:t>
+            </a:r>
+            <a:r>
+              <a:rPr/>
+              <a:t> </a:t>
+            </a:r>
+            <a:r>
+              <a:rPr/>
+              <a:t>of</a:t>
+            </a:r>
+            <a:r>
+              <a:rPr/>
+              <a:t> </a:t>
+            </a:r>
+            <a:r>
+              <a:rPr/>
+              <a:t>tax</a:t>
+            </a:r>
+            <a:r>
+              <a:rPr/>
+              <a:t> </a:t>
+            </a:r>
+            <a:r>
+              <a:rPr/>
+              <a:t>breaks</a:t>
+            </a:r>
+            <a:r>
+              <a:rPr/>
+              <a:t> </a:t>
+            </a:r>
+            <a:r>
+              <a:rPr/>
+              <a:t>calculated</a:t>
+            </a:r>
+            <a:r>
+              <a:rPr/>
+              <a:t> </a:t>
+            </a:r>
+            <a:r>
+              <a:rPr/>
+              <a:t>against</a:t>
+            </a:r>
+            <a:r>
+              <a:rPr/>
+              <a:t> </a:t>
+            </a:r>
+            <a:r>
+              <a:rPr/>
+              <a:t>a</a:t>
+            </a:r>
+            <a:r>
+              <a:rPr/>
+              <a:t> </a:t>
+            </a:r>
+            <a:r>
+              <a:rPr/>
+              <a:t>comprehensiveincome</a:t>
+            </a:r>
+            <a:r>
+              <a:rPr/>
+              <a:t> </a:t>
+            </a:r>
+            <a:r>
+              <a:rPr/>
+              <a:t>tax</a:t>
+            </a:r>
+            <a:r>
+              <a:rPr/>
+              <a:t> </a:t>
+            </a:r>
+            <a:r>
+              <a:rPr/>
+              <a:t>benchmark.</a:t>
+            </a:r>
+            <a:r>
+              <a:rPr/>
+              <a:t> </a:t>
+            </a:r>
+            <a:r>
+              <a:rPr/>
+              <a:t>Deciles</a:t>
+            </a:r>
+            <a:r>
+              <a:rPr/>
+              <a:t> </a:t>
+            </a:r>
+            <a:r>
+              <a:rPr/>
+              <a:t>sorted</a:t>
+            </a:r>
+            <a:r>
+              <a:rPr/>
+              <a:t> </a:t>
+            </a:r>
+            <a:r>
+              <a:rPr/>
+              <a:t>by</a:t>
+            </a:r>
+            <a:r>
+              <a:rPr/>
+              <a:t> </a:t>
+            </a:r>
+            <a:r>
+              <a:rPr/>
+              <a:t>taxable</a:t>
+            </a:r>
+            <a:r>
+              <a:rPr/>
+              <a:t> </a:t>
+            </a:r>
+            <a:r>
+              <a:rPr/>
+              <a:t>income.Projections</a:t>
+            </a:r>
+            <a:r>
+              <a:rPr/>
+              <a:t> </a:t>
+            </a:r>
+            <a:r>
+              <a:rPr/>
+              <a:t>to</a:t>
+            </a:r>
+            <a:r>
+              <a:rPr/>
+              <a:t> </a:t>
+            </a:r>
+            <a:r>
+              <a:rPr/>
+              <a:t>2020-21</a:t>
+            </a:r>
+            <a:r>
+              <a:rPr/>
+              <a:t> </a:t>
+            </a:r>
+            <a:r>
+              <a:rPr/>
+              <a:t>assume</a:t>
+            </a:r>
+            <a:r>
+              <a:rPr/>
+              <a:t> </a:t>
+            </a:r>
+            <a:r>
+              <a:rPr/>
+              <a:t>2%</a:t>
+            </a:r>
+            <a:r>
+              <a:rPr/>
+              <a:t> </a:t>
+            </a:r>
+            <a:r>
+              <a:rPr/>
+              <a:t>wage</a:t>
+            </a:r>
+            <a:r>
+              <a:rPr/>
+              <a:t> </a:t>
+            </a:r>
+            <a:r>
+              <a:rPr/>
+              <a:t>growth</a:t>
+            </a:r>
+            <a:r>
+              <a:rPr/>
+              <a:t> </a:t>
+            </a:r>
+            <a:r>
+              <a:rPr/>
+              <a:t>and</a:t>
+            </a:r>
+            <a:r>
+              <a:rPr/>
+              <a:t> </a:t>
+            </a:r>
+            <a:r>
+              <a:rPr/>
+              <a:t>0%</a:t>
+            </a:r>
+            <a:r>
+              <a:rPr/>
+              <a:t> </a:t>
+            </a:r>
+            <a:r>
+              <a:rPr/>
+              <a:t>growth</a:t>
+            </a:r>
+            <a:r>
+              <a:rPr/>
+              <a:t> </a:t>
+            </a:r>
+            <a:r>
+              <a:rPr/>
+              <a:t>in</a:t>
+            </a:r>
+            <a:r>
+              <a:rPr/>
+              <a:t> </a:t>
+            </a:r>
+            <a:r>
+              <a:rPr/>
+              <a:t>the</a:t>
+            </a:r>
+            <a:r>
+              <a:rPr/>
+              <a:t> </a:t>
+            </a:r>
+            <a:r>
+              <a:rPr/>
+              <a:t>number</a:t>
+            </a:r>
+            <a:r>
+              <a:rPr/>
+              <a:t> </a:t>
+            </a:r>
+            <a:r>
+              <a:rPr/>
+              <a:t>of</a:t>
+            </a:r>
+            <a:r>
+              <a:rPr/>
+              <a:t> </a:t>
+            </a:r>
+            <a:r>
+              <a:rPr/>
+              <a:t>taxfilers</a:t>
+            </a:r>
+            <a:r>
+              <a:rPr/>
+              <a:t> </a:t>
+            </a:r>
+            <a:r>
+              <a:rPr/>
+              <a:t>from</a:t>
+            </a:r>
+            <a:r>
+              <a:rPr/>
+              <a:t> </a:t>
+            </a:r>
+            <a:r>
+              <a:rPr/>
+              <a:t>2019-20</a:t>
+            </a:r>
+            <a:r>
+              <a:rPr/>
+              <a:t> </a:t>
+            </a:r>
+            <a:r>
+              <a:rPr/>
+              <a:t>to</a:t>
+            </a:r>
+            <a:r>
+              <a:rPr/>
+              <a:t> </a:t>
+            </a:r>
+            <a:r>
+              <a:rPr/>
+              <a:t>2020-21</a:t>
+            </a:r>
+            <a:r>
+              <a:rPr/>
+              <a:t> </a:t>
+            </a:r>
+            <a:r>
+              <a:rPr/>
+              <a:t>Only</a:t>
+            </a:r>
+            <a:r>
+              <a:rPr/>
+              <a:t> </a:t>
+            </a:r>
+            <a:r>
+              <a:rPr/>
+              <a:t>includes</a:t>
+            </a:r>
+            <a:r>
+              <a:rPr/>
+              <a:t> </a:t>
+            </a:r>
+            <a:r>
+              <a:rPr/>
+              <a:t>taxpayers</a:t>
+            </a:r>
+            <a:r>
+              <a:rPr/>
+              <a:t> </a:t>
+            </a:r>
+            <a:r>
+              <a:rPr/>
+              <a:t>that</a:t>
+            </a:r>
+            <a:r>
+              <a:rPr/>
+              <a:t> </a:t>
+            </a:r>
+            <a:r>
+              <a:rPr/>
+              <a:t>made</a:t>
+            </a:r>
+            <a:r>
+              <a:rPr/>
+              <a:t> </a:t>
+            </a:r>
+            <a:r>
+              <a:rPr/>
+              <a:t>a</a:t>
+            </a:r>
+            <a:r>
+              <a:rPr/>
+              <a:t> </a:t>
+            </a:r>
+            <a:r>
+              <a:rPr/>
+              <a:t>pre-tax</a:t>
+            </a:r>
+            <a:r>
+              <a:rPr/>
+              <a:t> </a:t>
+            </a:r>
+            <a:r>
+              <a:rPr/>
+              <a:t>contribution</a:t>
+            </a:r>
+            <a:r>
+              <a:rPr/>
+              <a:t> </a:t>
+            </a:r>
+            <a:r>
+              <a:rPr/>
+              <a:t>in</a:t>
+            </a:r>
+            <a:r>
+              <a:rPr/>
+              <a:t> </a:t>
+            </a:r>
+            <a:r>
+              <a:rPr/>
+              <a:t>that</a:t>
+            </a:r>
+            <a:r>
+              <a:rPr/>
+              <a:t> </a:t>
+            </a:r>
+            <a:r>
+              <a:rPr/>
+              <a:t>year.</a:t>
+            </a:r>
+            <a:r>
+              <a:rPr/>
+              <a:t> </a:t>
+            </a:r>
+            <a:r>
+              <a:rPr/>
+              <a:t>Source:</a:t>
+            </a:r>
+            <a:r>
+              <a:rPr/>
+              <a:t> </a:t>
+            </a:r>
+            <a:r>
+              <a:rPr/>
+              <a:t>ATO</a:t>
+            </a:r>
+            <a:r>
+              <a:rPr/>
+              <a:t> </a:t>
+            </a:r>
+            <a:r>
+              <a:rPr/>
+              <a:t>2017-18</a:t>
+            </a:r>
+            <a:r>
+              <a:rPr/>
+              <a:t> </a:t>
+            </a:r>
+            <a:r>
+              <a:rPr/>
+              <a:t>2%</a:t>
+            </a:r>
+            <a:r>
+              <a:rPr/>
+              <a:t> </a:t>
+            </a:r>
+            <a:r>
+              <a:rPr/>
+              <a:t>sample</a:t>
+            </a:r>
+            <a:r>
+              <a:rPr/>
+              <a:t> </a:t>
+            </a:r>
+            <a:r>
+              <a:rPr/>
+              <a:t>file</a:t>
             </a:r>
           </a:p>
           <a:p>
@@ -4154,8 +4568,8 @@
           </p:nvSpPr>
           <p:spPr>
             <a:xfrm>
-              <a:off x="1209335" y="1504216"/>
-              <a:ext cx="10331684" cy="4752583"/>
+              <a:off x="1209335" y="1504215"/>
+              <a:ext cx="10331684" cy="4171230"/>
             </a:xfrm>
             <a:prstGeom prst="rect">
               <a:avLst/>
@@ -4180,7 +4594,7 @@
           </p:nvSpPr>
           <p:spPr>
             <a:xfrm>
-              <a:off x="1209335" y="6087919"/>
+              <a:off x="1209335" y="5527225"/>
               <a:ext cx="10331684" cy="0"/>
             </a:xfrm>
             <a:custGeom>
@@ -4223,7 +4637,7 @@
           </p:nvSpPr>
           <p:spPr>
             <a:xfrm>
-              <a:off x="1209335" y="4514589"/>
+              <a:off x="1209335" y="4146350"/>
               <a:ext cx="10331684" cy="0"/>
             </a:xfrm>
             <a:custGeom>
@@ -4266,7 +4680,7 @@
           </p:nvSpPr>
           <p:spPr>
             <a:xfrm>
-              <a:off x="1209335" y="2941260"/>
+              <a:off x="1209335" y="2765475"/>
               <a:ext cx="10331684" cy="0"/>
             </a:xfrm>
             <a:custGeom>
@@ -4309,8 +4723,8 @@
           </p:nvSpPr>
           <p:spPr>
             <a:xfrm>
-              <a:off x="1361271" y="6087919"/>
-              <a:ext cx="911619" cy="168879"/>
+              <a:off x="1361271" y="5527225"/>
+              <a:ext cx="911619" cy="148221"/>
             </a:xfrm>
             <a:prstGeom prst="rect">
               <a:avLst/>
@@ -4344,8 +4758,8 @@
           </p:nvSpPr>
           <p:spPr>
             <a:xfrm>
-              <a:off x="2374182" y="5872364"/>
-              <a:ext cx="911619" cy="215554"/>
+              <a:off x="2374182" y="5338037"/>
+              <a:ext cx="911619" cy="189187"/>
             </a:xfrm>
             <a:prstGeom prst="rect">
               <a:avLst/>
@@ -4379,8 +4793,8 @@
           </p:nvSpPr>
           <p:spPr>
             <a:xfrm>
-              <a:off x="3387092" y="5601335"/>
-              <a:ext cx="911619" cy="486584"/>
+              <a:off x="3387092" y="5100161"/>
+              <a:ext cx="911619" cy="427063"/>
             </a:xfrm>
             <a:prstGeom prst="rect">
               <a:avLst/>
@@ -4414,8 +4828,8 @@
           </p:nvSpPr>
           <p:spPr>
             <a:xfrm>
-              <a:off x="4400002" y="5038000"/>
-              <a:ext cx="911619" cy="1049919"/>
+              <a:off x="4400002" y="4605735"/>
+              <a:ext cx="911619" cy="921489"/>
             </a:xfrm>
             <a:prstGeom prst="rect">
               <a:avLst/>
@@ -4449,8 +4863,8 @@
           </p:nvSpPr>
           <p:spPr>
             <a:xfrm>
-              <a:off x="5412912" y="4875973"/>
-              <a:ext cx="911619" cy="1211946"/>
+              <a:off x="5412912" y="4463528"/>
+              <a:ext cx="911619" cy="1063696"/>
             </a:xfrm>
             <a:prstGeom prst="rect">
               <a:avLst/>
@@ -4484,8 +4898,8 @@
           </p:nvSpPr>
           <p:spPr>
             <a:xfrm>
-              <a:off x="6425823" y="4676298"/>
-              <a:ext cx="911619" cy="1411621"/>
+              <a:off x="6425823" y="4288278"/>
+              <a:ext cx="911619" cy="1238946"/>
             </a:xfrm>
             <a:prstGeom prst="rect">
               <a:avLst/>
@@ -4519,8 +4933,8 @@
           </p:nvSpPr>
           <p:spPr>
             <a:xfrm>
-              <a:off x="7438733" y="4446183"/>
-              <a:ext cx="911619" cy="1641736"/>
+              <a:off x="7438733" y="4086311"/>
+              <a:ext cx="911619" cy="1440913"/>
             </a:xfrm>
             <a:prstGeom prst="rect">
               <a:avLst/>
@@ -4554,8 +4968,8 @@
           </p:nvSpPr>
           <p:spPr>
             <a:xfrm>
-              <a:off x="8451643" y="3765069"/>
-              <a:ext cx="911619" cy="2322850"/>
+              <a:off x="8451643" y="3488513"/>
+              <a:ext cx="911619" cy="2038711"/>
             </a:xfrm>
             <a:prstGeom prst="rect">
               <a:avLst/>
@@ -4589,8 +5003,8 @@
           </p:nvSpPr>
           <p:spPr>
             <a:xfrm>
-              <a:off x="9464553" y="3039424"/>
-              <a:ext cx="911619" cy="3048495"/>
+              <a:off x="9464553" y="2851632"/>
+              <a:ext cx="911619" cy="2675592"/>
             </a:xfrm>
             <a:prstGeom prst="rect">
               <a:avLst/>
@@ -4624,8 +5038,8 @@
           </p:nvSpPr>
           <p:spPr>
             <a:xfrm>
-              <a:off x="10477464" y="1574451"/>
-              <a:ext cx="911619" cy="4513468"/>
+              <a:off x="10477464" y="1565859"/>
+              <a:ext cx="911619" cy="3961365"/>
             </a:xfrm>
             <a:prstGeom prst="rect">
               <a:avLst/>
@@ -4659,7 +5073,7 @@
           </p:nvSpPr>
           <p:spPr>
             <a:xfrm>
-              <a:off x="979713" y="6002641"/>
+              <a:off x="979713" y="5441946"/>
               <a:ext cx="127136" cy="167096"/>
             </a:xfrm>
             <a:prstGeom prst="rect">
@@ -4705,7 +5119,7 @@
           </p:nvSpPr>
           <p:spPr>
             <a:xfrm>
-              <a:off x="852576" y="4429311"/>
+              <a:off x="852576" y="4061072"/>
               <a:ext cx="254272" cy="167096"/>
             </a:xfrm>
             <a:prstGeom prst="rect">
@@ -4751,7 +5165,7 @@
           </p:nvSpPr>
           <p:spPr>
             <a:xfrm>
-              <a:off x="852576" y="2855981"/>
+              <a:off x="852576" y="2680197"/>
               <a:ext cx="254272" cy="167096"/>
             </a:xfrm>
             <a:prstGeom prst="rect">
@@ -4797,7 +5211,7 @@
           </p:nvSpPr>
           <p:spPr>
             <a:xfrm>
-              <a:off x="1209335" y="6256799"/>
+              <a:off x="1209335" y="5675446"/>
               <a:ext cx="10331684" cy="0"/>
             </a:xfrm>
             <a:custGeom>
@@ -4837,7 +5251,7 @@
           </p:nvSpPr>
           <p:spPr>
             <a:xfrm>
-              <a:off x="1817081" y="6256799"/>
+              <a:off x="1817081" y="5675446"/>
               <a:ext cx="0" cy="56936"/>
             </a:xfrm>
             <a:custGeom>
@@ -4877,7 +5291,7 @@
           </p:nvSpPr>
           <p:spPr>
             <a:xfrm>
-              <a:off x="2829991" y="6256799"/>
+              <a:off x="2829991" y="5675446"/>
               <a:ext cx="0" cy="56936"/>
             </a:xfrm>
             <a:custGeom>
@@ -4917,7 +5331,7 @@
           </p:nvSpPr>
           <p:spPr>
             <a:xfrm>
-              <a:off x="3842902" y="6256799"/>
+              <a:off x="3842902" y="5675446"/>
               <a:ext cx="0" cy="56936"/>
             </a:xfrm>
             <a:custGeom>
@@ -4957,7 +5371,7 @@
           </p:nvSpPr>
           <p:spPr>
             <a:xfrm>
-              <a:off x="4855812" y="6256799"/>
+              <a:off x="4855812" y="5675446"/>
               <a:ext cx="0" cy="56936"/>
             </a:xfrm>
             <a:custGeom>
@@ -4997,7 +5411,7 @@
           </p:nvSpPr>
           <p:spPr>
             <a:xfrm>
-              <a:off x="5868722" y="6256799"/>
+              <a:off x="5868722" y="5675446"/>
               <a:ext cx="0" cy="56936"/>
             </a:xfrm>
             <a:custGeom>
@@ -5037,7 +5451,7 @@
           </p:nvSpPr>
           <p:spPr>
             <a:xfrm>
-              <a:off x="6881632" y="6256799"/>
+              <a:off x="6881632" y="5675446"/>
               <a:ext cx="0" cy="56936"/>
             </a:xfrm>
             <a:custGeom>
@@ -5077,7 +5491,7 @@
           </p:nvSpPr>
           <p:spPr>
             <a:xfrm>
-              <a:off x="7894543" y="6256799"/>
+              <a:off x="7894543" y="5675446"/>
               <a:ext cx="0" cy="56936"/>
             </a:xfrm>
             <a:custGeom>
@@ -5117,7 +5531,7 @@
           </p:nvSpPr>
           <p:spPr>
             <a:xfrm>
-              <a:off x="8907453" y="6256799"/>
+              <a:off x="8907453" y="5675446"/>
               <a:ext cx="0" cy="56936"/>
             </a:xfrm>
             <a:custGeom>
@@ -5157,7 +5571,7 @@
           </p:nvSpPr>
           <p:spPr>
             <a:xfrm>
-              <a:off x="9920363" y="6256799"/>
+              <a:off x="9920363" y="5675446"/>
               <a:ext cx="0" cy="56936"/>
             </a:xfrm>
             <a:custGeom>
@@ -5197,7 +5611,7 @@
           </p:nvSpPr>
           <p:spPr>
             <a:xfrm>
-              <a:off x="10933273" y="6256799"/>
+              <a:off x="10933273" y="5675446"/>
               <a:ext cx="0" cy="56936"/>
             </a:xfrm>
             <a:custGeom>
@@ -5237,7 +5651,7 @@
           </p:nvSpPr>
           <p:spPr>
             <a:xfrm>
-              <a:off x="1753513" y="6358615"/>
+              <a:off x="1753513" y="5777262"/>
               <a:ext cx="127136" cy="164306"/>
             </a:xfrm>
             <a:prstGeom prst="rect">
@@ -5283,7 +5697,7 @@
           </p:nvSpPr>
           <p:spPr>
             <a:xfrm>
-              <a:off x="2766423" y="6358615"/>
+              <a:off x="2766423" y="5777262"/>
               <a:ext cx="127136" cy="164306"/>
             </a:xfrm>
             <a:prstGeom prst="rect">
@@ -5329,7 +5743,7 @@
           </p:nvSpPr>
           <p:spPr>
             <a:xfrm>
-              <a:off x="3779333" y="6355713"/>
+              <a:off x="3779333" y="5774360"/>
               <a:ext cx="127136" cy="167208"/>
             </a:xfrm>
             <a:prstGeom prst="rect">
@@ -5375,7 +5789,7 @@
           </p:nvSpPr>
           <p:spPr>
             <a:xfrm>
-              <a:off x="4792244" y="6359285"/>
+              <a:off x="4792244" y="5777932"/>
               <a:ext cx="127136" cy="163636"/>
             </a:xfrm>
             <a:prstGeom prst="rect">
@@ -5421,7 +5835,7 @@
           </p:nvSpPr>
           <p:spPr>
             <a:xfrm>
-              <a:off x="5805154" y="6358726"/>
+              <a:off x="5805154" y="5777374"/>
               <a:ext cx="127136" cy="164194"/>
             </a:xfrm>
             <a:prstGeom prst="rect">
@@ -5467,7 +5881,7 @@
           </p:nvSpPr>
           <p:spPr>
             <a:xfrm>
-              <a:off x="6818064" y="6355824"/>
+              <a:off x="6818064" y="5774472"/>
               <a:ext cx="127136" cy="167096"/>
             </a:xfrm>
             <a:prstGeom prst="rect">
@@ -5513,7 +5927,7 @@
           </p:nvSpPr>
           <p:spPr>
             <a:xfrm>
-              <a:off x="7830974" y="6361405"/>
+              <a:off x="7830974" y="5780053"/>
               <a:ext cx="127136" cy="161515"/>
             </a:xfrm>
             <a:prstGeom prst="rect">
@@ -5559,7 +5973,7 @@
           </p:nvSpPr>
           <p:spPr>
             <a:xfrm>
-              <a:off x="8843885" y="6355824"/>
+              <a:off x="8843885" y="5774472"/>
               <a:ext cx="127136" cy="167096"/>
             </a:xfrm>
             <a:prstGeom prst="rect">
@@ -5605,7 +6019,7 @@
           </p:nvSpPr>
           <p:spPr>
             <a:xfrm>
-              <a:off x="9856795" y="6355824"/>
+              <a:off x="9856795" y="5774472"/>
               <a:ext cx="127136" cy="167096"/>
             </a:xfrm>
             <a:prstGeom prst="rect">
@@ -5651,7 +6065,7 @@
           </p:nvSpPr>
           <p:spPr>
             <a:xfrm>
-              <a:off x="10806137" y="6355824"/>
+              <a:off x="10806137" y="5774472"/>
               <a:ext cx="254272" cy="167096"/>
             </a:xfrm>
             <a:prstGeom prst="rect">
@@ -5697,7 +6111,7 @@
           </p:nvSpPr>
           <p:spPr>
             <a:xfrm>
-              <a:off x="6057559" y="6625287"/>
+              <a:off x="6057559" y="6043935"/>
               <a:ext cx="635235" cy="166315"/>
             </a:xfrm>
             <a:prstGeom prst="rect">
@@ -5731,6 +6145,144 @@
                   <a:cs typeface="Arial"/>
                 </a:rPr>
                 <a:t>Decile</a:t>
+              </a:r>
+            </a:p>
+          </p:txBody>
+        </p:sp>
+        <p:sp>
+          <p:nvSpPr>
+            <p:cNvPr id="46" name="tx44"/>
+            <p:cNvSpPr/>
+            <p:nvPr/>
+          </p:nvSpPr>
+          <p:spPr>
+            <a:xfrm>
+              <a:off x="852576" y="6419898"/>
+              <a:ext cx="10388036" cy="119067"/>
+            </a:xfrm>
+            <a:prstGeom prst="rect">
+              <a:avLst/>
+            </a:prstGeom>
+            <a:noFill/>
+          </p:spPr>
+          <p:txBody>
+            <a:bodyPr lIns="0" rIns="0" tIns="0" bIns="0" anchorCtr="1" anchor="ctr" wrap="none"/>
+            <a:lstStyle/>
+            <a:p>
+              <a:pPr algn="l" marL="0" marR="0" indent="0">
+                <a:lnSpc>
+                  <a:spcPts val="999"/>
+                </a:lnSpc>
+                <a:spcBef>
+                  <a:spcPts val="0"/>
+                </a:spcBef>
+                <a:spcAft>
+                  <a:spcPts val="0"/>
+                </a:spcAft>
+              </a:pPr>
+              <a:r>
+                <a:rPr sz="999" i="1">
+                  <a:solidFill>
+                    <a:srgbClr val="000000">
+                      <a:alpha val="100000"/>
+                    </a:srgbClr>
+                  </a:solidFill>
+                  <a:latin typeface="Arial"/>
+                  <a:cs typeface="Arial"/>
+                </a:rPr>
+                <a:t>Notes: Value of tax breaks calculated against a comprehensiveincome tax benchmark. Deciles sorted by taxable income.Projections to 2020-21 assume 2% wage growth and 0% growth</a:t>
+              </a:r>
+            </a:p>
+          </p:txBody>
+        </p:sp>
+        <p:sp>
+          <p:nvSpPr>
+            <p:cNvPr id="47" name="tx45"/>
+            <p:cNvSpPr/>
+            <p:nvPr/>
+          </p:nvSpPr>
+          <p:spPr>
+            <a:xfrm>
+              <a:off x="852576" y="6556921"/>
+              <a:ext cx="6727924" cy="119067"/>
+            </a:xfrm>
+            <a:prstGeom prst="rect">
+              <a:avLst/>
+            </a:prstGeom>
+            <a:noFill/>
+          </p:spPr>
+          <p:txBody>
+            <a:bodyPr lIns="0" rIns="0" tIns="0" bIns="0" anchorCtr="1" anchor="ctr" wrap="none"/>
+            <a:lstStyle/>
+            <a:p>
+              <a:pPr algn="l" marL="0" marR="0" indent="0">
+                <a:lnSpc>
+                  <a:spcPts val="999"/>
+                </a:lnSpc>
+                <a:spcBef>
+                  <a:spcPts val="0"/>
+                </a:spcBef>
+                <a:spcAft>
+                  <a:spcPts val="0"/>
+                </a:spcAft>
+              </a:pPr>
+              <a:r>
+                <a:rPr sz="999" i="1">
+                  <a:solidFill>
+                    <a:srgbClr val="000000">
+                      <a:alpha val="100000"/>
+                    </a:srgbClr>
+                  </a:solidFill>
+                  <a:latin typeface="Arial"/>
+                  <a:cs typeface="Arial"/>
+                </a:rPr>
+                <a:t>in the number of taxfilers from 2019-20 to 2020-21 Only includes taxpayers that made a pre-tax contribution in that year.</a:t>
+              </a:r>
+            </a:p>
+          </p:txBody>
+        </p:sp>
+        <p:sp>
+          <p:nvSpPr>
+            <p:cNvPr id="48" name="tx46"/>
+            <p:cNvSpPr/>
+            <p:nvPr/>
+          </p:nvSpPr>
+          <p:spPr>
+            <a:xfrm>
+              <a:off x="852576" y="6695431"/>
+              <a:ext cx="2094457" cy="117580"/>
+            </a:xfrm>
+            <a:prstGeom prst="rect">
+              <a:avLst/>
+            </a:prstGeom>
+            <a:noFill/>
+          </p:spPr>
+          <p:txBody>
+            <a:bodyPr lIns="0" rIns="0" tIns="0" bIns="0" anchorCtr="1" anchor="ctr" wrap="none"/>
+            <a:lstStyle/>
+            <a:p>
+              <a:pPr algn="l" marL="0" marR="0" indent="0">
+                <a:lnSpc>
+                  <a:spcPts val="999"/>
+                </a:lnSpc>
+                <a:spcBef>
+                  <a:spcPts val="0"/>
+                </a:spcBef>
+                <a:spcAft>
+                  <a:spcPts val="0"/>
+                </a:spcAft>
+              </a:pPr>
+              <a:r>
+                <a:rPr sz="999" i="1">
+                  <a:solidFill>
+                    <a:srgbClr val="000000">
+                      <a:alpha val="100000"/>
+                    </a:srgbClr>
+                  </a:solidFill>
+                  <a:latin typeface="Arial"/>
+                  <a:cs typeface="Arial"/>
+                </a:rPr>
+                <a:t>Source: ATO 2017-18 2% sample file</a:t>
               </a:r>
             </a:p>
           </p:txBody>

--- a/Figure-3-1/Figure31/Figure31_fullslide_169.pptx
+++ b/Figure-3-1/Figure31/Figure31_fullslide_169.pptx
@@ -858,7 +858,15 @@
             </a:r>
             <a:r>
               <a:rPr/>
-              <a:t>comprehensiveincome</a:t>
+              <a:t>comprehensive</a:t>
+            </a:r>
+            <a:r>
+              <a:rPr/>
+              <a:t> </a:t>
+            </a:r>
+            <a:r>
+              <a:rPr/>
+              <a:t>income</a:t>
             </a:r>
             <a:r>
               <a:rPr/>
@@ -914,7 +922,455 @@
             </a:r>
             <a:r>
               <a:rPr/>
-              <a:t>income.Projections</a:t>
+              <a:t>income.Superannuation</a:t>
+            </a:r>
+            <a:r>
+              <a:rPr/>
+              <a:t> </a:t>
+            </a:r>
+            <a:r>
+              <a:rPr/>
+              <a:t>tax</a:t>
+            </a:r>
+            <a:r>
+              <a:rPr/>
+              <a:t> </a:t>
+            </a:r>
+            <a:r>
+              <a:rPr/>
+              <a:t>breaks</a:t>
+            </a:r>
+            <a:r>
+              <a:rPr/>
+              <a:t> </a:t>
+            </a:r>
+            <a:r>
+              <a:rPr/>
+              <a:t>includes</a:t>
+            </a:r>
+            <a:r>
+              <a:rPr/>
+              <a:t> </a:t>
+            </a:r>
+            <a:r>
+              <a:rPr/>
+              <a:t>concessional</a:t>
+            </a:r>
+            <a:r>
+              <a:rPr/>
+              <a:t> </a:t>
+            </a:r>
+            <a:r>
+              <a:rPr/>
+              <a:t>taxes</a:t>
+            </a:r>
+            <a:r>
+              <a:rPr/>
+              <a:t> </a:t>
+            </a:r>
+            <a:r>
+              <a:rPr/>
+              <a:t>for</a:t>
+            </a:r>
+            <a:r>
+              <a:rPr/>
+              <a:t> </a:t>
+            </a:r>
+            <a:r>
+              <a:rPr/>
+              <a:t>contributions</a:t>
+            </a:r>
+            <a:r>
+              <a:rPr/>
+              <a:t> </a:t>
+            </a:r>
+            <a:r>
+              <a:rPr/>
+              <a:t>and</a:t>
+            </a:r>
+            <a:r>
+              <a:rPr/>
+              <a:t> </a:t>
+            </a:r>
+            <a:r>
+              <a:rPr/>
+              <a:t>earnings,</a:t>
+            </a:r>
+            <a:r>
+              <a:rPr/>
+              <a:t> </a:t>
+            </a:r>
+            <a:r>
+              <a:rPr/>
+              <a:t>taking</a:t>
+            </a:r>
+            <a:r>
+              <a:rPr/>
+              <a:t> </a:t>
+            </a:r>
+            <a:r>
+              <a:rPr/>
+              <a:t>into</a:t>
+            </a:r>
+            <a:r>
+              <a:rPr/>
+              <a:t> </a:t>
+            </a:r>
+            <a:r>
+              <a:rPr/>
+              <a:t>account</a:t>
+            </a:r>
+            <a:r>
+              <a:rPr/>
+              <a:t> </a:t>
+            </a:r>
+            <a:r>
+              <a:rPr/>
+              <a:t>LISTO.</a:t>
+            </a:r>
+            <a:r>
+              <a:rPr/>
+              <a:t> </a:t>
+            </a:r>
+            <a:r>
+              <a:rPr/>
+              <a:t>Assumes</a:t>
+            </a:r>
+            <a:r>
+              <a:rPr/>
+              <a:t> </a:t>
+            </a:r>
+            <a:r>
+              <a:rPr/>
+              <a:t>5%</a:t>
+            </a:r>
+            <a:r>
+              <a:rPr/>
+              <a:t> </a:t>
+            </a:r>
+            <a:r>
+              <a:rPr/>
+              <a:t>earnings</a:t>
+            </a:r>
+            <a:r>
+              <a:rPr/>
+              <a:t> </a:t>
+            </a:r>
+            <a:r>
+              <a:rPr/>
+              <a:t>in</a:t>
+            </a:r>
+            <a:r>
+              <a:rPr/>
+              <a:t> </a:t>
+            </a:r>
+            <a:r>
+              <a:rPr/>
+              <a:t>retirement</a:t>
+            </a:r>
+            <a:r>
+              <a:rPr/>
+              <a:t> </a:t>
+            </a:r>
+            <a:r>
+              <a:rPr/>
+              <a:t>and</a:t>
+            </a:r>
+            <a:r>
+              <a:rPr/>
+              <a:t> </a:t>
+            </a:r>
+            <a:r>
+              <a:rPr/>
+              <a:t>7%</a:t>
+            </a:r>
+            <a:r>
+              <a:rPr/>
+              <a:t> </a:t>
+            </a:r>
+            <a:r>
+              <a:rPr/>
+              <a:t>earnings</a:t>
+            </a:r>
+            <a:r>
+              <a:rPr/>
+              <a:t> </a:t>
+            </a:r>
+            <a:r>
+              <a:rPr/>
+              <a:t>in</a:t>
+            </a:r>
+            <a:r>
+              <a:rPr/>
+              <a:t> </a:t>
+            </a:r>
+            <a:r>
+              <a:rPr/>
+              <a:t>accumulation;</a:t>
+            </a:r>
+            <a:r>
+              <a:rPr/>
+              <a:t> </a:t>
+            </a:r>
+            <a:r>
+              <a:rPr/>
+              <a:t>assumes</a:t>
+            </a:r>
+            <a:r>
+              <a:rPr/>
+              <a:t> </a:t>
+            </a:r>
+            <a:r>
+              <a:rPr/>
+              <a:t>that</a:t>
+            </a:r>
+            <a:r>
+              <a:rPr/>
+              <a:t> </a:t>
+            </a:r>
+            <a:r>
+              <a:rPr/>
+              <a:t>the</a:t>
+            </a:r>
+            <a:r>
+              <a:rPr/>
+              <a:t> </a:t>
+            </a:r>
+            <a:r>
+              <a:rPr/>
+              <a:t>effective</a:t>
+            </a:r>
+            <a:r>
+              <a:rPr/>
+              <a:t> </a:t>
+            </a:r>
+            <a:r>
+              <a:rPr/>
+              <a:t>tax</a:t>
+            </a:r>
+            <a:r>
+              <a:rPr/>
+              <a:t> </a:t>
+            </a:r>
+            <a:r>
+              <a:rPr/>
+              <a:t>on</a:t>
+            </a:r>
+            <a:r>
+              <a:rPr/>
+              <a:t> </a:t>
+            </a:r>
+            <a:r>
+              <a:rPr/>
+              <a:t>earnings</a:t>
+            </a:r>
+            <a:r>
+              <a:rPr/>
+              <a:t> </a:t>
+            </a:r>
+            <a:r>
+              <a:rPr/>
+              <a:t>is</a:t>
+            </a:r>
+            <a:r>
+              <a:rPr/>
+              <a:t> </a:t>
+            </a:r>
+            <a:r>
+              <a:rPr/>
+              <a:t>10%</a:t>
+            </a:r>
+            <a:r>
+              <a:rPr/>
+              <a:t> </a:t>
+            </a:r>
+            <a:r>
+              <a:rPr/>
+              <a:t>assumes,</a:t>
+            </a:r>
+            <a:r>
+              <a:rPr/>
+              <a:t> </a:t>
+            </a:r>
+            <a:r>
+              <a:rPr/>
+              <a:t>if</a:t>
+            </a:r>
+            <a:r>
+              <a:rPr/>
+              <a:t> </a:t>
+            </a:r>
+            <a:r>
+              <a:rPr/>
+              <a:t>earnings</a:t>
+            </a:r>
+            <a:r>
+              <a:rPr/>
+              <a:t> </a:t>
+            </a:r>
+            <a:r>
+              <a:rPr/>
+              <a:t>taxes</a:t>
+            </a:r>
+            <a:r>
+              <a:rPr/>
+              <a:t> </a:t>
+            </a:r>
+            <a:r>
+              <a:rPr/>
+              <a:t>were</a:t>
+            </a:r>
+            <a:r>
+              <a:rPr/>
+              <a:t> </a:t>
+            </a:r>
+            <a:r>
+              <a:rPr/>
+              <a:t>abolished,</a:t>
+            </a:r>
+            <a:r>
+              <a:rPr/>
+              <a:t> </a:t>
+            </a:r>
+            <a:r>
+              <a:rPr/>
+              <a:t>taxfilers</a:t>
+            </a:r>
+            <a:r>
+              <a:rPr/>
+              <a:t> </a:t>
+            </a:r>
+            <a:r>
+              <a:rPr/>
+              <a:t>would</a:t>
+            </a:r>
+            <a:r>
+              <a:rPr/>
+              <a:t> </a:t>
+            </a:r>
+            <a:r>
+              <a:rPr/>
+              <a:t>put</a:t>
+            </a:r>
+            <a:r>
+              <a:rPr/>
+              <a:t> </a:t>
+            </a:r>
+            <a:r>
+              <a:rPr/>
+              <a:t>80%</a:t>
+            </a:r>
+            <a:r>
+              <a:rPr/>
+              <a:t> </a:t>
+            </a:r>
+            <a:r>
+              <a:rPr/>
+              <a:t>of</a:t>
+            </a:r>
+            <a:r>
+              <a:rPr/>
+              <a:t> </a:t>
+            </a:r>
+            <a:r>
+              <a:rPr/>
+              <a:t>earnings</a:t>
+            </a:r>
+            <a:r>
+              <a:rPr/>
+              <a:t> </a:t>
+            </a:r>
+            <a:r>
+              <a:rPr/>
+              <a:t>income</a:t>
+            </a:r>
+            <a:r>
+              <a:rPr/>
+              <a:t> </a:t>
+            </a:r>
+            <a:r>
+              <a:rPr/>
+              <a:t>into</a:t>
+            </a:r>
+            <a:r>
+              <a:rPr/>
+              <a:t> </a:t>
+            </a:r>
+            <a:r>
+              <a:rPr/>
+              <a:t>assets</a:t>
+            </a:r>
+            <a:r>
+              <a:rPr/>
+              <a:t> </a:t>
+            </a:r>
+            <a:r>
+              <a:rPr/>
+              <a:t>that</a:t>
+            </a:r>
+            <a:r>
+              <a:rPr/>
+              <a:t> </a:t>
+            </a:r>
+            <a:r>
+              <a:rPr/>
+              <a:t>would</a:t>
+            </a:r>
+            <a:r>
+              <a:rPr/>
+              <a:t> </a:t>
+            </a:r>
+            <a:r>
+              <a:rPr/>
+              <a:t>enjoy</a:t>
+            </a:r>
+            <a:r>
+              <a:rPr/>
+              <a:t> </a:t>
+            </a:r>
+            <a:r>
+              <a:rPr/>
+              <a:t>the</a:t>
+            </a:r>
+            <a:r>
+              <a:rPr/>
+              <a:t> </a:t>
+            </a:r>
+            <a:r>
+              <a:rPr/>
+              <a:t>capital</a:t>
+            </a:r>
+            <a:r>
+              <a:rPr/>
+              <a:t> </a:t>
+            </a:r>
+            <a:r>
+              <a:rPr/>
+              <a:t>gains</a:t>
+            </a:r>
+            <a:r>
+              <a:rPr/>
+              <a:t> </a:t>
+            </a:r>
+            <a:r>
+              <a:rPr/>
+              <a:t>tax</a:t>
+            </a:r>
+            <a:r>
+              <a:rPr/>
+              <a:t> </a:t>
+            </a:r>
+            <a:r>
+              <a:rPr/>
+              <a:t>discount;</a:t>
+            </a:r>
+            <a:r>
+              <a:rPr/>
+              <a:t> </a:t>
+            </a:r>
+            <a:r>
+              <a:rPr/>
+              <a:t>Projections</a:t>
             </a:r>
             <a:r>
               <a:rPr/>
@@ -4568,8 +5024,8 @@
           </p:nvSpPr>
           <p:spPr>
             <a:xfrm>
-              <a:off x="1209335" y="1504215"/>
-              <a:ext cx="10331684" cy="4171230"/>
+              <a:off x="1209335" y="1504216"/>
+              <a:ext cx="10331684" cy="3897185"/>
             </a:xfrm>
             <a:prstGeom prst="rect">
               <a:avLst/>
@@ -4594,7 +5050,7 @@
           </p:nvSpPr>
           <p:spPr>
             <a:xfrm>
-              <a:off x="1209335" y="5527225"/>
+              <a:off x="1209335" y="5401401"/>
               <a:ext cx="10331684" cy="0"/>
             </a:xfrm>
             <a:custGeom>
@@ -4637,7 +5093,7 @@
           </p:nvSpPr>
           <p:spPr>
             <a:xfrm>
-              <a:off x="1209335" y="4146350"/>
+              <a:off x="1209335" y="4216597"/>
               <a:ext cx="10331684" cy="0"/>
             </a:xfrm>
             <a:custGeom>
@@ -4680,7 +5136,7 @@
           </p:nvSpPr>
           <p:spPr>
             <a:xfrm>
-              <a:off x="1209335" y="2765475"/>
+              <a:off x="1209335" y="3031794"/>
               <a:ext cx="10331684" cy="0"/>
             </a:xfrm>
             <a:custGeom>
@@ -4717,31 +5173,39 @@
         </p:sp>
         <p:sp>
           <p:nvSpPr>
-            <p:cNvPr id="11" name="rc9"/>
+            <p:cNvPr id="11" name="pl9"/>
             <p:cNvSpPr/>
             <p:nvPr/>
           </p:nvSpPr>
           <p:spPr>
             <a:xfrm>
-              <a:off x="1361271" y="5527225"/>
-              <a:ext cx="911619" cy="148221"/>
+              <a:off x="1209335" y="1846990"/>
+              <a:ext cx="10331684" cy="0"/>
             </a:xfrm>
-            <a:prstGeom prst="rect">
+            <a:custGeom>
               <a:avLst/>
-            </a:prstGeom>
-            <a:solidFill>
-              <a:srgbClr val="F68B33">
-                <a:alpha val="100000"/>
-              </a:srgbClr>
-            </a:solidFill>
-            <a:ln w="7143" cap="sq">
+              <a:pathLst>
+                <a:path w="10331684" h="0">
+                  <a:moveTo>
+                    <a:pt x="0" y="0"/>
+                  </a:moveTo>
+                  <a:lnTo>
+                    <a:pt x="10331684" y="0"/>
+                  </a:lnTo>
+                  <a:lnTo>
+                    <a:pt x="10331684" y="0"/>
+                  </a:lnTo>
+                </a:path>
+              </a:pathLst>
+            </a:custGeom>
+            <a:ln w="7143" cap="flat">
               <a:solidFill>
-                <a:srgbClr val="FFFFFF">
+                <a:srgbClr val="C3C7CB">
                   <a:alpha val="100000"/>
                 </a:srgbClr>
               </a:solidFill>
               <a:prstDash val="solid"/>
-              <a:miter/>
+              <a:round/>
             </a:ln>
           </p:spPr>
           <p:txBody>
@@ -4758,8 +5222,8 @@
           </p:nvSpPr>
           <p:spPr>
             <a:xfrm>
-              <a:off x="2374182" y="5338037"/>
-              <a:ext cx="911619" cy="189187"/>
+              <a:off x="1361271" y="5301276"/>
+              <a:ext cx="911619" cy="100124"/>
             </a:xfrm>
             <a:prstGeom prst="rect">
               <a:avLst/>
@@ -4793,8 +5257,8 @@
           </p:nvSpPr>
           <p:spPr>
             <a:xfrm>
-              <a:off x="3387092" y="5100161"/>
-              <a:ext cx="911619" cy="427063"/>
+              <a:off x="2374182" y="5024242"/>
+              <a:ext cx="911619" cy="377158"/>
             </a:xfrm>
             <a:prstGeom prst="rect">
               <a:avLst/>
@@ -4828,8 +5292,8 @@
           </p:nvSpPr>
           <p:spPr>
             <a:xfrm>
-              <a:off x="4400002" y="4605735"/>
-              <a:ext cx="911619" cy="921489"/>
+              <a:off x="3387092" y="4888422"/>
+              <a:ext cx="911619" cy="512978"/>
             </a:xfrm>
             <a:prstGeom prst="rect">
               <a:avLst/>
@@ -4863,8 +5327,8 @@
           </p:nvSpPr>
           <p:spPr>
             <a:xfrm>
-              <a:off x="5412912" y="4463528"/>
-              <a:ext cx="911619" cy="1063696"/>
+              <a:off x="4400002" y="4704337"/>
+              <a:ext cx="911619" cy="697063"/>
             </a:xfrm>
             <a:prstGeom prst="rect">
               <a:avLst/>
@@ -4898,8 +5362,8 @@
           </p:nvSpPr>
           <p:spPr>
             <a:xfrm>
-              <a:off x="6425823" y="4288278"/>
-              <a:ext cx="911619" cy="1238946"/>
+              <a:off x="5412912" y="4638826"/>
+              <a:ext cx="911619" cy="762574"/>
             </a:xfrm>
             <a:prstGeom prst="rect">
               <a:avLst/>
@@ -4933,8 +5397,8 @@
           </p:nvSpPr>
           <p:spPr>
             <a:xfrm>
-              <a:off x="7438733" y="4086311"/>
-              <a:ext cx="911619" cy="1440913"/>
+              <a:off x="6425823" y="4504198"/>
+              <a:ext cx="911619" cy="897202"/>
             </a:xfrm>
             <a:prstGeom prst="rect">
               <a:avLst/>
@@ -4968,8 +5432,8 @@
           </p:nvSpPr>
           <p:spPr>
             <a:xfrm>
-              <a:off x="8451643" y="3488513"/>
-              <a:ext cx="911619" cy="2038711"/>
+              <a:off x="7438733" y="4340980"/>
+              <a:ext cx="911619" cy="1060420"/>
             </a:xfrm>
             <a:prstGeom prst="rect">
               <a:avLst/>
@@ -5003,8 +5467,8 @@
           </p:nvSpPr>
           <p:spPr>
             <a:xfrm>
-              <a:off x="9464553" y="2851632"/>
-              <a:ext cx="911619" cy="2675592"/>
+              <a:off x="8451643" y="3860848"/>
+              <a:ext cx="911619" cy="1540552"/>
             </a:xfrm>
             <a:prstGeom prst="rect">
               <a:avLst/>
@@ -5038,8 +5502,8 @@
           </p:nvSpPr>
           <p:spPr>
             <a:xfrm>
-              <a:off x="10477464" y="1565859"/>
-              <a:ext cx="911619" cy="3961365"/>
+              <a:off x="9464553" y="3341032"/>
+              <a:ext cx="911619" cy="2060368"/>
             </a:xfrm>
             <a:prstGeom prst="rect">
               <a:avLst/>
@@ -5067,13 +5531,48 @@
         </p:sp>
         <p:sp>
           <p:nvSpPr>
-            <p:cNvPr id="21" name="tx19"/>
+            <p:cNvPr id="21" name="rc19"/>
             <p:cNvSpPr/>
             <p:nvPr/>
           </p:nvSpPr>
           <p:spPr>
             <a:xfrm>
-              <a:off x="979713" y="5441946"/>
+              <a:off x="10477464" y="1561809"/>
+              <a:ext cx="911619" cy="3839591"/>
+            </a:xfrm>
+            <a:prstGeom prst="rect">
+              <a:avLst/>
+            </a:prstGeom>
+            <a:solidFill>
+              <a:srgbClr val="F68B33">
+                <a:alpha val="100000"/>
+              </a:srgbClr>
+            </a:solidFill>
+            <a:ln w="7143" cap="sq">
+              <a:solidFill>
+                <a:srgbClr val="FFFFFF">
+                  <a:alpha val="100000"/>
+                </a:srgbClr>
+              </a:solidFill>
+              <a:prstDash val="solid"/>
+              <a:miter/>
+            </a:ln>
+          </p:spPr>
+          <p:txBody>
+            <a:bodyPr/>
+            <a:lstStyle/>
+            <a:p/>
+          </p:txBody>
+        </p:sp>
+        <p:sp>
+          <p:nvSpPr>
+            <p:cNvPr id="22" name="tx20"/>
+            <p:cNvSpPr/>
+            <p:nvPr/>
+          </p:nvSpPr>
+          <p:spPr>
+            <a:xfrm>
+              <a:off x="979713" y="5316122"/>
               <a:ext cx="127136" cy="167096"/>
             </a:xfrm>
             <a:prstGeom prst="rect">
@@ -5113,13 +5612,13 @@
         </p:sp>
         <p:sp>
           <p:nvSpPr>
-            <p:cNvPr id="22" name="tx20"/>
+            <p:cNvPr id="23" name="tx21"/>
             <p:cNvSpPr/>
             <p:nvPr/>
           </p:nvSpPr>
           <p:spPr>
             <a:xfrm>
-              <a:off x="852576" y="4061072"/>
+              <a:off x="852576" y="4131319"/>
               <a:ext cx="254272" cy="167096"/>
             </a:xfrm>
             <a:prstGeom prst="rect">
@@ -5159,13 +5658,13 @@
         </p:sp>
         <p:sp>
           <p:nvSpPr>
-            <p:cNvPr id="23" name="tx21"/>
+            <p:cNvPr id="24" name="tx22"/>
             <p:cNvSpPr/>
             <p:nvPr/>
           </p:nvSpPr>
           <p:spPr>
             <a:xfrm>
-              <a:off x="852576" y="2680197"/>
+              <a:off x="852576" y="2946515"/>
               <a:ext cx="254272" cy="167096"/>
             </a:xfrm>
             <a:prstGeom prst="rect">
@@ -5205,13 +5704,59 @@
         </p:sp>
         <p:sp>
           <p:nvSpPr>
-            <p:cNvPr id="24" name="pl22"/>
+            <p:cNvPr id="25" name="tx23"/>
             <p:cNvSpPr/>
             <p:nvPr/>
           </p:nvSpPr>
           <p:spPr>
             <a:xfrm>
-              <a:off x="1209335" y="5675446"/>
+              <a:off x="852576" y="1761600"/>
+              <a:ext cx="254272" cy="167208"/>
+            </a:xfrm>
+            <a:prstGeom prst="rect">
+              <a:avLst/>
+            </a:prstGeom>
+            <a:noFill/>
+          </p:spPr>
+          <p:txBody>
+            <a:bodyPr lIns="0" rIns="0" tIns="0" bIns="0" anchorCtr="1" anchor="ctr" wrap="none"/>
+            <a:lstStyle/>
+            <a:p>
+              <a:pPr algn="l" marL="0" marR="0" indent="0">
+                <a:lnSpc>
+                  <a:spcPts val="1800"/>
+                </a:lnSpc>
+                <a:spcBef>
+                  <a:spcPts val="0"/>
+                </a:spcBef>
+                <a:spcAft>
+                  <a:spcPts val="0"/>
+                </a:spcAft>
+              </a:pPr>
+              <a:r>
+                <a:rPr sz="1800">
+                  <a:solidFill>
+                    <a:srgbClr val="000000">
+                      <a:alpha val="100000"/>
+                    </a:srgbClr>
+                  </a:solidFill>
+                  <a:latin typeface="Arial"/>
+                  <a:cs typeface="Arial"/>
+                </a:rPr>
+                <a:t>30</a:t>
+              </a:r>
+            </a:p>
+          </p:txBody>
+        </p:sp>
+        <p:sp>
+          <p:nvSpPr>
+            <p:cNvPr id="26" name="pl24"/>
+            <p:cNvSpPr/>
+            <p:nvPr/>
+          </p:nvSpPr>
+          <p:spPr>
+            <a:xfrm>
+              <a:off x="1209335" y="5401401"/>
               <a:ext cx="10331684" cy="0"/>
             </a:xfrm>
             <a:custGeom>
@@ -5245,93 +5790,13 @@
         </p:sp>
         <p:sp>
           <p:nvSpPr>
-            <p:cNvPr id="25" name="pl23"/>
-            <p:cNvSpPr/>
-            <p:nvPr/>
-          </p:nvSpPr>
-          <p:spPr>
-            <a:xfrm>
-              <a:off x="1817081" y="5675446"/>
-              <a:ext cx="0" cy="56936"/>
-            </a:xfrm>
-            <a:custGeom>
-              <a:avLst/>
-              <a:pathLst>
-                <a:path w="0" h="56936">
-                  <a:moveTo>
-                    <a:pt x="0" y="56936"/>
-                  </a:moveTo>
-                  <a:lnTo>
-                    <a:pt x="0" y="0"/>
-                  </a:lnTo>
-                </a:path>
-              </a:pathLst>
-            </a:custGeom>
-            <a:ln w="7143" cap="flat">
-              <a:solidFill>
-                <a:srgbClr val="000000">
-                  <a:alpha val="100000"/>
-                </a:srgbClr>
-              </a:solidFill>
-              <a:prstDash val="solid"/>
-              <a:round/>
-            </a:ln>
-          </p:spPr>
-          <p:txBody>
-            <a:bodyPr/>
-            <a:lstStyle/>
-            <a:p/>
-          </p:txBody>
-        </p:sp>
-        <p:sp>
-          <p:nvSpPr>
-            <p:cNvPr id="26" name="pl24"/>
-            <p:cNvSpPr/>
-            <p:nvPr/>
-          </p:nvSpPr>
-          <p:spPr>
-            <a:xfrm>
-              <a:off x="2829991" y="5675446"/>
-              <a:ext cx="0" cy="56936"/>
-            </a:xfrm>
-            <a:custGeom>
-              <a:avLst/>
-              <a:pathLst>
-                <a:path w="0" h="56936">
-                  <a:moveTo>
-                    <a:pt x="0" y="56936"/>
-                  </a:moveTo>
-                  <a:lnTo>
-                    <a:pt x="0" y="0"/>
-                  </a:lnTo>
-                </a:path>
-              </a:pathLst>
-            </a:custGeom>
-            <a:ln w="7143" cap="flat">
-              <a:solidFill>
-                <a:srgbClr val="000000">
-                  <a:alpha val="100000"/>
-                </a:srgbClr>
-              </a:solidFill>
-              <a:prstDash val="solid"/>
-              <a:round/>
-            </a:ln>
-          </p:spPr>
-          <p:txBody>
-            <a:bodyPr/>
-            <a:lstStyle/>
-            <a:p/>
-          </p:txBody>
-        </p:sp>
-        <p:sp>
-          <p:nvSpPr>
             <p:cNvPr id="27" name="pl25"/>
             <p:cNvSpPr/>
             <p:nvPr/>
           </p:nvSpPr>
           <p:spPr>
             <a:xfrm>
-              <a:off x="3842902" y="5675446"/>
+              <a:off x="1817081" y="5401401"/>
               <a:ext cx="0" cy="56936"/>
             </a:xfrm>
             <a:custGeom>
@@ -5371,7 +5836,7 @@
           </p:nvSpPr>
           <p:spPr>
             <a:xfrm>
-              <a:off x="4855812" y="5675446"/>
+              <a:off x="2829991" y="5401401"/>
               <a:ext cx="0" cy="56936"/>
             </a:xfrm>
             <a:custGeom>
@@ -5411,7 +5876,7 @@
           </p:nvSpPr>
           <p:spPr>
             <a:xfrm>
-              <a:off x="5868722" y="5675446"/>
+              <a:off x="3842902" y="5401401"/>
               <a:ext cx="0" cy="56936"/>
             </a:xfrm>
             <a:custGeom>
@@ -5451,7 +5916,7 @@
           </p:nvSpPr>
           <p:spPr>
             <a:xfrm>
-              <a:off x="6881632" y="5675446"/>
+              <a:off x="4855812" y="5401401"/>
               <a:ext cx="0" cy="56936"/>
             </a:xfrm>
             <a:custGeom>
@@ -5491,7 +5956,7 @@
           </p:nvSpPr>
           <p:spPr>
             <a:xfrm>
-              <a:off x="7894543" y="5675446"/>
+              <a:off x="5868722" y="5401401"/>
               <a:ext cx="0" cy="56936"/>
             </a:xfrm>
             <a:custGeom>
@@ -5531,7 +5996,7 @@
           </p:nvSpPr>
           <p:spPr>
             <a:xfrm>
-              <a:off x="8907453" y="5675446"/>
+              <a:off x="6881632" y="5401401"/>
               <a:ext cx="0" cy="56936"/>
             </a:xfrm>
             <a:custGeom>
@@ -5571,7 +6036,7 @@
           </p:nvSpPr>
           <p:spPr>
             <a:xfrm>
-              <a:off x="9920363" y="5675446"/>
+              <a:off x="7894543" y="5401401"/>
               <a:ext cx="0" cy="56936"/>
             </a:xfrm>
             <a:custGeom>
@@ -5611,7 +6076,7 @@
           </p:nvSpPr>
           <p:spPr>
             <a:xfrm>
-              <a:off x="10933273" y="5675446"/>
+              <a:off x="8907453" y="5401401"/>
               <a:ext cx="0" cy="56936"/>
             </a:xfrm>
             <a:custGeom>
@@ -5645,13 +6110,93 @@
         </p:sp>
         <p:sp>
           <p:nvSpPr>
-            <p:cNvPr id="35" name="tx33"/>
+            <p:cNvPr id="35" name="pl33"/>
             <p:cNvSpPr/>
             <p:nvPr/>
           </p:nvSpPr>
           <p:spPr>
             <a:xfrm>
-              <a:off x="1753513" y="5777262"/>
+              <a:off x="9920363" y="5401401"/>
+              <a:ext cx="0" cy="56936"/>
+            </a:xfrm>
+            <a:custGeom>
+              <a:avLst/>
+              <a:pathLst>
+                <a:path w="0" h="56936">
+                  <a:moveTo>
+                    <a:pt x="0" y="56936"/>
+                  </a:moveTo>
+                  <a:lnTo>
+                    <a:pt x="0" y="0"/>
+                  </a:lnTo>
+                </a:path>
+              </a:pathLst>
+            </a:custGeom>
+            <a:ln w="7143" cap="flat">
+              <a:solidFill>
+                <a:srgbClr val="000000">
+                  <a:alpha val="100000"/>
+                </a:srgbClr>
+              </a:solidFill>
+              <a:prstDash val="solid"/>
+              <a:round/>
+            </a:ln>
+          </p:spPr>
+          <p:txBody>
+            <a:bodyPr/>
+            <a:lstStyle/>
+            <a:p/>
+          </p:txBody>
+        </p:sp>
+        <p:sp>
+          <p:nvSpPr>
+            <p:cNvPr id="36" name="pl34"/>
+            <p:cNvSpPr/>
+            <p:nvPr/>
+          </p:nvSpPr>
+          <p:spPr>
+            <a:xfrm>
+              <a:off x="10933273" y="5401401"/>
+              <a:ext cx="0" cy="56936"/>
+            </a:xfrm>
+            <a:custGeom>
+              <a:avLst/>
+              <a:pathLst>
+                <a:path w="0" h="56936">
+                  <a:moveTo>
+                    <a:pt x="0" y="56936"/>
+                  </a:moveTo>
+                  <a:lnTo>
+                    <a:pt x="0" y="0"/>
+                  </a:lnTo>
+                </a:path>
+              </a:pathLst>
+            </a:custGeom>
+            <a:ln w="7143" cap="flat">
+              <a:solidFill>
+                <a:srgbClr val="000000">
+                  <a:alpha val="100000"/>
+                </a:srgbClr>
+              </a:solidFill>
+              <a:prstDash val="solid"/>
+              <a:round/>
+            </a:ln>
+          </p:spPr>
+          <p:txBody>
+            <a:bodyPr/>
+            <a:lstStyle/>
+            <a:p/>
+          </p:txBody>
+        </p:sp>
+        <p:sp>
+          <p:nvSpPr>
+            <p:cNvPr id="37" name="tx35"/>
+            <p:cNvSpPr/>
+            <p:nvPr/>
+          </p:nvSpPr>
+          <p:spPr>
+            <a:xfrm>
+              <a:off x="1753513" y="5503217"/>
               <a:ext cx="127136" cy="164306"/>
             </a:xfrm>
             <a:prstGeom prst="rect">
@@ -5691,13 +6236,13 @@
         </p:sp>
         <p:sp>
           <p:nvSpPr>
-            <p:cNvPr id="36" name="tx34"/>
+            <p:cNvPr id="38" name="tx36"/>
             <p:cNvSpPr/>
             <p:nvPr/>
           </p:nvSpPr>
           <p:spPr>
             <a:xfrm>
-              <a:off x="2766423" y="5777262"/>
+              <a:off x="2766423" y="5503217"/>
               <a:ext cx="127136" cy="164306"/>
             </a:xfrm>
             <a:prstGeom prst="rect">
@@ -5737,13 +6282,13 @@
         </p:sp>
         <p:sp>
           <p:nvSpPr>
-            <p:cNvPr id="37" name="tx35"/>
+            <p:cNvPr id="39" name="tx37"/>
             <p:cNvSpPr/>
             <p:nvPr/>
           </p:nvSpPr>
           <p:spPr>
             <a:xfrm>
-              <a:off x="3779333" y="5774360"/>
+              <a:off x="3779333" y="5500314"/>
               <a:ext cx="127136" cy="167208"/>
             </a:xfrm>
             <a:prstGeom prst="rect">
@@ -5783,13 +6328,13 @@
         </p:sp>
         <p:sp>
           <p:nvSpPr>
-            <p:cNvPr id="38" name="tx36"/>
+            <p:cNvPr id="40" name="tx38"/>
             <p:cNvSpPr/>
             <p:nvPr/>
           </p:nvSpPr>
           <p:spPr>
             <a:xfrm>
-              <a:off x="4792244" y="5777932"/>
+              <a:off x="4792244" y="5503886"/>
               <a:ext cx="127136" cy="163636"/>
             </a:xfrm>
             <a:prstGeom prst="rect">
@@ -5829,13 +6374,13 @@
         </p:sp>
         <p:sp>
           <p:nvSpPr>
-            <p:cNvPr id="39" name="tx37"/>
+            <p:cNvPr id="41" name="tx39"/>
             <p:cNvSpPr/>
             <p:nvPr/>
           </p:nvSpPr>
           <p:spPr>
             <a:xfrm>
-              <a:off x="5805154" y="5777374"/>
+              <a:off x="5805154" y="5503328"/>
               <a:ext cx="127136" cy="164194"/>
             </a:xfrm>
             <a:prstGeom prst="rect">
@@ -5875,13 +6420,13 @@
         </p:sp>
         <p:sp>
           <p:nvSpPr>
-            <p:cNvPr id="40" name="tx38"/>
+            <p:cNvPr id="42" name="tx40"/>
             <p:cNvSpPr/>
             <p:nvPr/>
           </p:nvSpPr>
           <p:spPr>
             <a:xfrm>
-              <a:off x="6818064" y="5774472"/>
+              <a:off x="6818064" y="5500426"/>
               <a:ext cx="127136" cy="167096"/>
             </a:xfrm>
             <a:prstGeom prst="rect">
@@ -5921,13 +6466,13 @@
         </p:sp>
         <p:sp>
           <p:nvSpPr>
-            <p:cNvPr id="41" name="tx39"/>
+            <p:cNvPr id="43" name="tx41"/>
             <p:cNvSpPr/>
             <p:nvPr/>
           </p:nvSpPr>
           <p:spPr>
             <a:xfrm>
-              <a:off x="7830974" y="5780053"/>
+              <a:off x="7830974" y="5506007"/>
               <a:ext cx="127136" cy="161515"/>
             </a:xfrm>
             <a:prstGeom prst="rect">
@@ -5967,13 +6512,13 @@
         </p:sp>
         <p:sp>
           <p:nvSpPr>
-            <p:cNvPr id="42" name="tx40"/>
+            <p:cNvPr id="44" name="tx42"/>
             <p:cNvSpPr/>
             <p:nvPr/>
           </p:nvSpPr>
           <p:spPr>
             <a:xfrm>
-              <a:off x="8843885" y="5774472"/>
+              <a:off x="8843885" y="5500426"/>
               <a:ext cx="127136" cy="167096"/>
             </a:xfrm>
             <a:prstGeom prst="rect">
@@ -6013,13 +6558,13 @@
         </p:sp>
         <p:sp>
           <p:nvSpPr>
-            <p:cNvPr id="43" name="tx41"/>
+            <p:cNvPr id="45" name="tx43"/>
             <p:cNvSpPr/>
             <p:nvPr/>
           </p:nvSpPr>
           <p:spPr>
             <a:xfrm>
-              <a:off x="9856795" y="5774472"/>
+              <a:off x="9856795" y="5500426"/>
               <a:ext cx="127136" cy="167096"/>
             </a:xfrm>
             <a:prstGeom prst="rect">
@@ -6059,13 +6604,13 @@
         </p:sp>
         <p:sp>
           <p:nvSpPr>
-            <p:cNvPr id="44" name="tx42"/>
+            <p:cNvPr id="46" name="tx44"/>
             <p:cNvSpPr/>
             <p:nvPr/>
           </p:nvSpPr>
           <p:spPr>
             <a:xfrm>
-              <a:off x="10806137" y="5774472"/>
+              <a:off x="10806137" y="5500426"/>
               <a:ext cx="254272" cy="167096"/>
             </a:xfrm>
             <a:prstGeom prst="rect">
@@ -6105,13 +6650,13 @@
         </p:sp>
         <p:sp>
           <p:nvSpPr>
-            <p:cNvPr id="45" name="tx43"/>
+            <p:cNvPr id="47" name="tx45"/>
             <p:cNvSpPr/>
             <p:nvPr/>
           </p:nvSpPr>
           <p:spPr>
             <a:xfrm>
-              <a:off x="6057559" y="6043935"/>
+              <a:off x="6057559" y="5769889"/>
               <a:ext cx="635235" cy="166315"/>
             </a:xfrm>
             <a:prstGeom prst="rect">
@@ -6151,14 +6696,14 @@
         </p:sp>
         <p:sp>
           <p:nvSpPr>
-            <p:cNvPr id="46" name="tx44"/>
+            <p:cNvPr id="48" name="tx46"/>
             <p:cNvSpPr/>
             <p:nvPr/>
           </p:nvSpPr>
           <p:spPr>
             <a:xfrm>
-              <a:off x="852576" y="6419898"/>
-              <a:ext cx="10388036" cy="119067"/>
+              <a:off x="852576" y="6145852"/>
+              <a:ext cx="10127166" cy="119067"/>
             </a:xfrm>
             <a:prstGeom prst="rect">
               <a:avLst/>
@@ -6190,21 +6735,21 @@
                   <a:latin typeface="Arial"/>
                   <a:cs typeface="Arial"/>
                 </a:rPr>
-                <a:t>Notes: Value of tax breaks calculated against a comprehensiveincome tax benchmark. Deciles sorted by taxable income.Projections to 2020-21 assume 2% wage growth and 0% growth</a:t>
+                <a:t>Notes: Value of tax breaks calculated against a comprehensive income tax benchmark. Deciles sorted by taxable income.Superannuation tax breaks includes concessional taxes for</a:t>
               </a:r>
             </a:p>
           </p:txBody>
         </p:sp>
         <p:sp>
           <p:nvSpPr>
-            <p:cNvPr id="47" name="tx45"/>
+            <p:cNvPr id="49" name="tx47"/>
             <p:cNvSpPr/>
             <p:nvPr/>
           </p:nvSpPr>
           <p:spPr>
             <a:xfrm>
-              <a:off x="852576" y="6556921"/>
-              <a:ext cx="6727924" cy="119067"/>
+              <a:off x="852576" y="6283247"/>
+              <a:ext cx="9859233" cy="118695"/>
             </a:xfrm>
             <a:prstGeom prst="rect">
               <a:avLst/>
@@ -6236,14 +6781,106 @@
                   <a:latin typeface="Arial"/>
                   <a:cs typeface="Arial"/>
                 </a:rPr>
-                <a:t>in the number of taxfilers from 2019-20 to 2020-21 Only includes taxpayers that made a pre-tax contribution in that year.</a:t>
+                <a:t>contributions and earnings, taking into account LISTO. Assumes 5% earnings in retirement and 7% earnings in accumulation; assumes that the effective tax on earnings is 10%</a:t>
               </a:r>
             </a:p>
           </p:txBody>
         </p:sp>
         <p:sp>
           <p:nvSpPr>
-            <p:cNvPr id="48" name="tx46"/>
+            <p:cNvPr id="50" name="tx48"/>
+            <p:cNvSpPr/>
+            <p:nvPr/>
+          </p:nvSpPr>
+          <p:spPr>
+            <a:xfrm>
+              <a:off x="852576" y="6419898"/>
+              <a:ext cx="9471490" cy="119067"/>
+            </a:xfrm>
+            <a:prstGeom prst="rect">
+              <a:avLst/>
+            </a:prstGeom>
+            <a:noFill/>
+          </p:spPr>
+          <p:txBody>
+            <a:bodyPr lIns="0" rIns="0" tIns="0" bIns="0" anchorCtr="1" anchor="ctr" wrap="none"/>
+            <a:lstStyle/>
+            <a:p>
+              <a:pPr algn="l" marL="0" marR="0" indent="0">
+                <a:lnSpc>
+                  <a:spcPts val="999"/>
+                </a:lnSpc>
+                <a:spcBef>
+                  <a:spcPts val="0"/>
+                </a:spcBef>
+                <a:spcAft>
+                  <a:spcPts val="0"/>
+                </a:spcAft>
+              </a:pPr>
+              <a:r>
+                <a:rPr sz="999" i="1">
+                  <a:solidFill>
+                    <a:srgbClr val="000000">
+                      <a:alpha val="100000"/>
+                    </a:srgbClr>
+                  </a:solidFill>
+                  <a:latin typeface="Arial"/>
+                  <a:cs typeface="Arial"/>
+                </a:rPr>
+                <a:t>assumes, if earnings taxes were abolished, taxfilers would put 80% of earnings income into assets that would enjoy the capital gains tax discount; Projections to 2020-21</a:t>
+              </a:r>
+            </a:p>
+          </p:txBody>
+        </p:sp>
+        <p:sp>
+          <p:nvSpPr>
+            <p:cNvPr id="51" name="tx49"/>
+            <p:cNvSpPr/>
+            <p:nvPr/>
+          </p:nvSpPr>
+          <p:spPr>
+            <a:xfrm>
+              <a:off x="852576" y="6556921"/>
+              <a:ext cx="9062250" cy="119067"/>
+            </a:xfrm>
+            <a:prstGeom prst="rect">
+              <a:avLst/>
+            </a:prstGeom>
+            <a:noFill/>
+          </p:spPr>
+          <p:txBody>
+            <a:bodyPr lIns="0" rIns="0" tIns="0" bIns="0" anchorCtr="1" anchor="ctr" wrap="none"/>
+            <a:lstStyle/>
+            <a:p>
+              <a:pPr algn="l" marL="0" marR="0" indent="0">
+                <a:lnSpc>
+                  <a:spcPts val="999"/>
+                </a:lnSpc>
+                <a:spcBef>
+                  <a:spcPts val="0"/>
+                </a:spcBef>
+                <a:spcAft>
+                  <a:spcPts val="0"/>
+                </a:spcAft>
+              </a:pPr>
+              <a:r>
+                <a:rPr sz="999" i="1">
+                  <a:solidFill>
+                    <a:srgbClr val="000000">
+                      <a:alpha val="100000"/>
+                    </a:srgbClr>
+                  </a:solidFill>
+                  <a:latin typeface="Arial"/>
+                  <a:cs typeface="Arial"/>
+                </a:rPr>
+                <a:t>assume 2% wage growth and 0% growth in the number of taxfilers from 2019-20 to 2020-21 Only includes taxpayers that made a pre-tax contribution in that year.</a:t>
+              </a:r>
+            </a:p>
+          </p:txBody>
+        </p:sp>
+        <p:sp>
+          <p:nvSpPr>
+            <p:cNvPr id="52" name="tx50"/>
             <p:cNvSpPr/>
             <p:nvPr/>
           </p:nvSpPr>
